--- a/Web Challenge001-Netflix clone/Netflix clone.pptx
+++ b/Web Challenge001-Netflix clone/Netflix clone.pptx
@@ -104,6 +104,11 @@
       </a:defRPr>
     </a:lvl9pPr>
   </p:defaultTextStyle>
+  <p:extLst>
+    <p:ext uri="{EFAFB233-063F-42B5-8137-9DF3F51BA10A}">
+      <p15:sldGuideLst xmlns:p15="http://schemas.microsoft.com/office/powerpoint/2012/main"/>
+    </p:ext>
+  </p:extLst>
 </p:presentation>
 </file>
 
@@ -3343,7 +3348,7 @@
         </p:blipFill>
         <p:spPr>
           <a:xfrm>
-            <a:off x="2788842" y="0"/>
+            <a:off x="2788842" y="16329"/>
             <a:ext cx="6614315" cy="6858000"/>
           </a:xfrm>
           <a:prstGeom prst="rect">
@@ -3395,6 +3400,285 @@
           <a:p>
             <a:pPr algn="ctr"/>
             <a:endParaRPr lang="en-US"/>
+          </a:p>
+        </p:txBody>
+      </p:sp>
+      <p:sp>
+        <p:nvSpPr>
+          <p:cNvPr id="2" name="Rectangle 1">
+            <a:extLst>
+              <a:ext uri="{FF2B5EF4-FFF2-40B4-BE49-F238E27FC236}">
+                <a16:creationId xmlns:a16="http://schemas.microsoft.com/office/drawing/2014/main" id="{26F76B2F-C9EE-5C4E-A096-0C1BED43A254}"/>
+              </a:ext>
+            </a:extLst>
+          </p:cNvPr>
+          <p:cNvSpPr/>
+          <p:nvPr/>
+        </p:nvSpPr>
+        <p:spPr>
+          <a:xfrm>
+            <a:off x="9403157" y="2607520"/>
+            <a:ext cx="1567755" cy="369332"/>
+          </a:xfrm>
+          <a:prstGeom prst="rect">
+            <a:avLst/>
+          </a:prstGeom>
+        </p:spPr>
+        <p:txBody>
+          <a:bodyPr wrap="square">
+            <a:spAutoFit/>
+          </a:bodyPr>
+          <a:lstStyle/>
+          <a:p>
+            <a:r>
+              <a:rPr lang="en-US" dirty="0"/>
+              <a:t>694</a:t>
+            </a:r>
+          </a:p>
+        </p:txBody>
+      </p:sp>
+      <p:sp>
+        <p:nvSpPr>
+          <p:cNvPr id="3" name="Rectangle 2">
+            <a:extLst>
+              <a:ext uri="{FF2B5EF4-FFF2-40B4-BE49-F238E27FC236}">
+                <a16:creationId xmlns:a16="http://schemas.microsoft.com/office/drawing/2014/main" id="{4742502A-0C93-224D-89C7-53345CD6B878}"/>
+              </a:ext>
+            </a:extLst>
+          </p:cNvPr>
+          <p:cNvSpPr/>
+          <p:nvPr/>
+        </p:nvSpPr>
+        <p:spPr>
+          <a:xfrm>
+            <a:off x="5828137" y="135861"/>
+            <a:ext cx="535724" cy="369332"/>
+          </a:xfrm>
+          <a:prstGeom prst="rect">
+            <a:avLst/>
+          </a:prstGeom>
+        </p:spPr>
+        <p:txBody>
+          <a:bodyPr wrap="none">
+            <a:spAutoFit/>
+          </a:bodyPr>
+          <a:lstStyle/>
+          <a:p>
+            <a:r>
+              <a:rPr lang="en-US" dirty="0"/>
+              <a:t>635</a:t>
+            </a:r>
+          </a:p>
+        </p:txBody>
+      </p:sp>
+      <p:sp>
+        <p:nvSpPr>
+          <p:cNvPr id="7" name="Oval 6">
+            <a:extLst>
+              <a:ext uri="{FF2B5EF4-FFF2-40B4-BE49-F238E27FC236}">
+                <a16:creationId xmlns:a16="http://schemas.microsoft.com/office/drawing/2014/main" id="{4208D148-836B-1849-8842-5DBF53370212}"/>
+              </a:ext>
+            </a:extLst>
+          </p:cNvPr>
+          <p:cNvSpPr>
+            <a:spLocks noChangeAspect="1"/>
+          </p:cNvSpPr>
+          <p:nvPr/>
+        </p:nvSpPr>
+        <p:spPr>
+          <a:xfrm>
+            <a:off x="3137901" y="4925224"/>
+            <a:ext cx="1800000" cy="1800000"/>
+          </a:xfrm>
+          <a:prstGeom prst="ellipse">
+            <a:avLst/>
+          </a:prstGeom>
+          <a:noFill/>
+        </p:spPr>
+        <p:style>
+          <a:lnRef idx="2">
+            <a:schemeClr val="accent1">
+              <a:shade val="50000"/>
+            </a:schemeClr>
+          </a:lnRef>
+          <a:fillRef idx="1">
+            <a:schemeClr val="accent1"/>
+          </a:fillRef>
+          <a:effectRef idx="0">
+            <a:schemeClr val="accent1"/>
+          </a:effectRef>
+          <a:fontRef idx="minor">
+            <a:schemeClr val="lt1"/>
+          </a:fontRef>
+        </p:style>
+        <p:txBody>
+          <a:bodyPr rtlCol="0" anchor="ctr"/>
+          <a:lstStyle/>
+          <a:p>
+            <a:pPr algn="ctr"/>
+            <a:endParaRPr lang="en-US"/>
+          </a:p>
+        </p:txBody>
+      </p:sp>
+      <p:sp>
+        <p:nvSpPr>
+          <p:cNvPr id="8" name="Rectangle 7">
+            <a:extLst>
+              <a:ext uri="{FF2B5EF4-FFF2-40B4-BE49-F238E27FC236}">
+                <a16:creationId xmlns:a16="http://schemas.microsoft.com/office/drawing/2014/main" id="{22C15F2C-F3B7-F745-90E0-FCA37FF790F6}"/>
+              </a:ext>
+            </a:extLst>
+          </p:cNvPr>
+          <p:cNvSpPr/>
+          <p:nvPr/>
+        </p:nvSpPr>
+        <p:spPr>
+          <a:xfrm>
+            <a:off x="1221087" y="5078577"/>
+            <a:ext cx="1567755" cy="369332"/>
+          </a:xfrm>
+          <a:prstGeom prst="rect">
+            <a:avLst/>
+          </a:prstGeom>
+        </p:spPr>
+        <p:txBody>
+          <a:bodyPr wrap="square">
+            <a:spAutoFit/>
+          </a:bodyPr>
+          <a:lstStyle/>
+          <a:p>
+            <a:r>
+              <a:rPr lang="en-US" dirty="0"/>
+              <a:t>189</a:t>
+            </a:r>
+          </a:p>
+        </p:txBody>
+      </p:sp>
+      <p:sp>
+        <p:nvSpPr>
+          <p:cNvPr id="9" name="Rectangle 8">
+            <a:extLst>
+              <a:ext uri="{FF2B5EF4-FFF2-40B4-BE49-F238E27FC236}">
+                <a16:creationId xmlns:a16="http://schemas.microsoft.com/office/drawing/2014/main" id="{EC1CCFD3-0619-7D45-8E05-7FE7607B49C5}"/>
+              </a:ext>
+            </a:extLst>
+          </p:cNvPr>
+          <p:cNvSpPr/>
+          <p:nvPr/>
+        </p:nvSpPr>
+        <p:spPr>
+          <a:xfrm>
+            <a:off x="3121572" y="136634"/>
+            <a:ext cx="6064469" cy="3439323"/>
+          </a:xfrm>
+          <a:prstGeom prst="rect">
+            <a:avLst/>
+          </a:prstGeom>
+          <a:noFill/>
+        </p:spPr>
+        <p:style>
+          <a:lnRef idx="2">
+            <a:schemeClr val="accent1">
+              <a:shade val="50000"/>
+            </a:schemeClr>
+          </a:lnRef>
+          <a:fillRef idx="1">
+            <a:schemeClr val="accent1"/>
+          </a:fillRef>
+          <a:effectRef idx="0">
+            <a:schemeClr val="accent1"/>
+          </a:effectRef>
+          <a:fontRef idx="minor">
+            <a:schemeClr val="lt1"/>
+          </a:fontRef>
+        </p:style>
+        <p:txBody>
+          <a:bodyPr rtlCol="0" anchor="ctr"/>
+          <a:lstStyle/>
+          <a:p>
+            <a:pPr algn="ctr"/>
+            <a:endParaRPr lang="en-US" dirty="0"/>
+          </a:p>
+        </p:txBody>
+      </p:sp>
+      <p:sp>
+        <p:nvSpPr>
+          <p:cNvPr id="10" name="Rectangle 9">
+            <a:extLst>
+              <a:ext uri="{FF2B5EF4-FFF2-40B4-BE49-F238E27FC236}">
+                <a16:creationId xmlns:a16="http://schemas.microsoft.com/office/drawing/2014/main" id="{69FE8CAD-F5B8-ED44-9846-E6D9B3DAD7F2}"/>
+              </a:ext>
+            </a:extLst>
+          </p:cNvPr>
+          <p:cNvSpPr/>
+          <p:nvPr/>
+        </p:nvSpPr>
+        <p:spPr>
+          <a:xfrm>
+            <a:off x="1322016" y="1595144"/>
+            <a:ext cx="2031357" cy="369332"/>
+          </a:xfrm>
+          <a:prstGeom prst="rect">
+            <a:avLst/>
+          </a:prstGeom>
+        </p:spPr>
+        <p:txBody>
+          <a:bodyPr wrap="square">
+            <a:spAutoFit/>
+          </a:bodyPr>
+          <a:lstStyle/>
+          <a:p>
+            <a:r>
+              <a:rPr lang="en-US" dirty="0"/>
+              <a:t>359</a:t>
+            </a:r>
+          </a:p>
+        </p:txBody>
+      </p:sp>
+      <p:sp>
+        <p:nvSpPr>
+          <p:cNvPr id="11" name="Rectangle 10">
+            <a:extLst>
+              <a:ext uri="{FF2B5EF4-FFF2-40B4-BE49-F238E27FC236}">
+                <a16:creationId xmlns:a16="http://schemas.microsoft.com/office/drawing/2014/main" id="{5753CD78-A30D-6243-8D2B-E3FF16059B14}"/>
+              </a:ext>
+            </a:extLst>
+          </p:cNvPr>
+          <p:cNvSpPr/>
+          <p:nvPr/>
+        </p:nvSpPr>
+        <p:spPr>
+          <a:xfrm>
+            <a:off x="3121571" y="3576730"/>
+            <a:ext cx="6064469" cy="1501848"/>
+          </a:xfrm>
+          <a:prstGeom prst="rect">
+            <a:avLst/>
+          </a:prstGeom>
+          <a:noFill/>
+        </p:spPr>
+        <p:style>
+          <a:lnRef idx="2">
+            <a:schemeClr val="accent1">
+              <a:shade val="50000"/>
+            </a:schemeClr>
+          </a:lnRef>
+          <a:fillRef idx="1">
+            <a:schemeClr val="accent1"/>
+          </a:fillRef>
+          <a:effectRef idx="0">
+            <a:schemeClr val="accent1"/>
+          </a:effectRef>
+          <a:fontRef idx="minor">
+            <a:schemeClr val="lt1"/>
+          </a:fontRef>
+        </p:style>
+        <p:txBody>
+          <a:bodyPr rtlCol="0" anchor="ctr"/>
+          <a:lstStyle/>
+          <a:p>
+            <a:pPr algn="ctr"/>
+            <a:endParaRPr lang="en-US" dirty="0"/>
           </a:p>
         </p:txBody>
       </p:sp>
